--- a/4. UI/Day 31/Slides/4.  JavaScript (ES6)/2. Introduction/m2-slides.pptx
+++ b/4. UI/Day 31/Slides/4.  JavaScript (ES6)/2. Introduction/m2-slides.pptx
@@ -2570,7 +2570,7 @@
         <p:spPr>
           <a:xfrm>
             <a:off x="5105398" y="1523725"/>
-            <a:ext cx="4674235" cy="1005205"/>
+            <a:ext cx="4674235" cy="1515110"/>
           </a:xfrm>
           <a:prstGeom prst="rect">
             <a:avLst/>
@@ -2690,7 +2690,47 @@
               </a:rPr>
               <a:t>x</a:t>
             </a:r>
-            <a:endParaRPr sz="2400">
+            <a:endParaRPr sz="2400" spc="-95" dirty="0">
+              <a:solidFill>
+                <a:srgbClr val="F26722"/>
+              </a:solidFill>
+              <a:latin typeface="Trebuchet MS" panose="020B0603020202020204"/>
+              <a:cs typeface="Trebuchet MS" panose="020B0603020202020204"/>
+            </a:endParaRPr>
+          </a:p>
+          <a:p>
+            <a:pPr marL="309880" indent="-297180" algn="l">
+              <a:lnSpc>
+                <a:spcPct val="100000"/>
+              </a:lnSpc>
+              <a:spcBef>
+                <a:spcPts val="1095"/>
+              </a:spcBef>
+              <a:buClr>
+                <a:srgbClr val="F26722"/>
+              </a:buClr>
+              <a:buSzPct val="69000"/>
+              <a:buFont typeface="Wingdings" panose="05000000000000000000"/>
+              <a:buChar char=""/>
+              <a:tabLst>
+                <a:tab pos="309245" algn="l"/>
+                <a:tab pos="309880" algn="l"/>
+              </a:tabLst>
+            </a:pPr>
+            <a:r>
+              <a:rPr sz="2400" spc="5" dirty="0">
+                <a:solidFill>
+                  <a:srgbClr val="F26722"/>
+                </a:solidFill>
+                <a:latin typeface="Trebuchet MS" panose="020B0603020202020204"/>
+                <a:cs typeface="Trebuchet MS" panose="020B0603020202020204"/>
+              </a:rPr>
+              <a:t>Classes and Maps</a:t>
+            </a:r>
+            <a:endParaRPr sz="2400" spc="5" dirty="0">
+              <a:solidFill>
+                <a:srgbClr val="F26722"/>
+              </a:solidFill>
               <a:latin typeface="Trebuchet MS" panose="020B0603020202020204"/>
               <a:cs typeface="Trebuchet MS" panose="020B0603020202020204"/>
             </a:endParaRPr>
